--- a/presentations/UNCC_GittingStarted_10-18-21.pptx
+++ b/presentations/UNCC_GittingStarted_10-18-21.pptx
@@ -16108,7 +16108,7 @@
         </p:blipFill>
         <p:spPr bwMode="auto">
           <a:xfrm>
-            <a:off x="4114800" y="3567532"/>
+            <a:off x="4114800" y="3662782"/>
             <a:ext cx="914400" cy="914400"/>
           </a:xfrm>
           <a:prstGeom prst="rect">
@@ -16140,7 +16140,7 @@
         </p:nvSpPr>
         <p:spPr>
           <a:xfrm>
-            <a:off x="583860" y="3571031"/>
+            <a:off x="583860" y="3666281"/>
             <a:ext cx="914400" cy="914400"/>
           </a:xfrm>
           <a:prstGeom prst="rect">
@@ -16217,7 +16217,7 @@
         </p:nvSpPr>
         <p:spPr>
           <a:xfrm>
-            <a:off x="1760840" y="3571031"/>
+            <a:off x="1760840" y="3666281"/>
             <a:ext cx="914400" cy="914400"/>
           </a:xfrm>
           <a:prstGeom prst="rect">
@@ -16289,7 +16289,7 @@
         </p:nvSpPr>
         <p:spPr>
           <a:xfrm>
-            <a:off x="2937820" y="3571031"/>
+            <a:off x="2937820" y="3666281"/>
             <a:ext cx="914400" cy="914400"/>
           </a:xfrm>
           <a:prstGeom prst="rect">

--- a/presentations/UNCC_GittingStarted_10-18-21.pptx
+++ b/presentations/UNCC_GittingStarted_10-18-21.pptx
@@ -3630,7 +3630,7 @@
         <a:p>
           <a:r>
             <a:rPr lang="en" dirty="0"/>
-            <a:t>Scalable Computing</a:t>
+            <a:t>Cloud Scalable Computing</a:t>
           </a:r>
         </a:p>
       </dgm:t>
@@ -3806,7 +3806,7 @@
   <dgm:whole/>
   <dgm:extLst>
     <a:ext uri="http://schemas.microsoft.com/office/drawing/2008/diagram">
-      <dsp:dataModelExt xmlns:dsp="http://schemas.microsoft.com/office/drawing/2008/diagram" relId="rId12" minVer="http://schemas.openxmlformats.org/drawingml/2006/diagram"/>
+      <dsp:dataModelExt xmlns:dsp="http://schemas.microsoft.com/office/drawing/2008/diagram" relId="rId10" minVer="http://schemas.openxmlformats.org/drawingml/2006/diagram"/>
     </a:ext>
   </dgm:extLst>
 </dgm:dataModel>
@@ -6467,7 +6467,7 @@
           </a:pPr>
           <a:r>
             <a:rPr lang="en" sz="1500" kern="1200" dirty="0"/>
-            <a:t>Scalable Computing</a:t>
+            <a:t>Cloud Scalable Computing</a:t>
           </a:r>
         </a:p>
         <a:p>
@@ -15463,7 +15463,7 @@
             </a:pPr>
             <a:r>
               <a:rPr lang="en" dirty="0"/>
-              <a:t>October 18, 2022 | Colby T. Ford, Ph.D.</a:t>
+              <a:t>October 2, 2023 | Colby T. Ford, Ph.D.</a:t>
             </a:r>
             <a:endParaRPr dirty="0"/>
           </a:p>
@@ -15743,8 +15743,8 @@
         </p:nvSpPr>
         <p:spPr>
           <a:xfrm>
-            <a:off x="6625473" y="54604"/>
-            <a:ext cx="2450653" cy="307777"/>
+            <a:off x="6098191" y="54604"/>
+            <a:ext cx="2977936" cy="307777"/>
           </a:xfrm>
           <a:prstGeom prst="rect">
             <a:avLst/>
@@ -15762,10 +15762,9 @@
               <a:t>Email: </a:t>
             </a:r>
             <a:r>
-              <a:rPr lang="en-US" dirty="0" err="1"/>
-              <a:t>colby.ford@uncc.edu</a:t>
+              <a:rPr lang="en-US" dirty="0"/>
+              <a:t>colby.ford@charlotte.edu</a:t>
             </a:r>
-            <a:endParaRPr lang="en-US" dirty="0"/>
           </a:p>
         </p:txBody>
       </p:sp>
@@ -15820,44 +15819,8 @@
         </p:blipFill>
         <p:spPr>
           <a:xfrm>
-            <a:off x="697347" y="2436448"/>
+            <a:off x="717876" y="1258171"/>
             <a:ext cx="1828800" cy="506569"/>
-          </a:xfrm>
-          <a:prstGeom prst="rect">
-            <a:avLst/>
-          </a:prstGeom>
-        </p:spPr>
-      </p:pic>
-      <p:pic>
-        <p:nvPicPr>
-          <p:cNvPr id="22" name="Graphic 21">
-            <a:extLst>
-              <a:ext uri="{FF2B5EF4-FFF2-40B4-BE49-F238E27FC236}">
-                <a16:creationId xmlns:a16="http://schemas.microsoft.com/office/drawing/2014/main" id="{3D9B7A5F-E378-8149-99CF-AA54A9FE1CB5}"/>
-              </a:ext>
-            </a:extLst>
-          </p:cNvPr>
-          <p:cNvPicPr>
-            <a:picLocks noChangeAspect="1"/>
-          </p:cNvPicPr>
-          <p:nvPr/>
-        </p:nvPicPr>
-        <p:blipFill>
-          <a:blip r:embed="rId5">
-            <a:extLst>
-              <a:ext uri="{96DAC541-7B7A-43D3-8B79-37D633B846F1}">
-                <asvg:svgBlip xmlns:asvg="http://schemas.microsoft.com/office/drawing/2016/SVG/main" r:embed="rId6"/>
-              </a:ext>
-            </a:extLst>
-          </a:blip>
-          <a:stretch>
-            <a:fillRect/>
-          </a:stretch>
-        </p:blipFill>
-        <p:spPr>
-          <a:xfrm>
-            <a:off x="697583" y="1295633"/>
-            <a:ext cx="1828800" cy="451556"/>
           </a:xfrm>
           <a:prstGeom prst="rect">
             <a:avLst/>
@@ -15879,14 +15842,14 @@
           <p:nvPr/>
         </p:nvPicPr>
         <p:blipFill>
-          <a:blip r:embed="rId7"/>
+          <a:blip r:embed="rId5"/>
           <a:stretch>
             <a:fillRect/>
           </a:stretch>
         </p:blipFill>
         <p:spPr>
           <a:xfrm>
-            <a:off x="3210224" y="2411851"/>
+            <a:off x="1967637" y="2246866"/>
             <a:ext cx="1828800" cy="450087"/>
           </a:xfrm>
           <a:prstGeom prst="rect">
@@ -15894,49 +15857,6 @@
           </a:prstGeom>
         </p:spPr>
       </p:pic>
-      <p:sp>
-        <p:nvSpPr>
-          <p:cNvPr id="25" name="TextBox 24">
-            <a:extLst>
-              <a:ext uri="{FF2B5EF4-FFF2-40B4-BE49-F238E27FC236}">
-                <a16:creationId xmlns:a16="http://schemas.microsoft.com/office/drawing/2014/main" id="{4003FFDE-CEDA-F344-92E7-B8A26E4EF5A4}"/>
-              </a:ext>
-            </a:extLst>
-          </p:cNvPr>
-          <p:cNvSpPr txBox="1"/>
-          <p:nvPr/>
-        </p:nvSpPr>
-        <p:spPr>
-          <a:xfrm>
-            <a:off x="460631" y="1725811"/>
-            <a:ext cx="2302233" cy="430887"/>
-          </a:xfrm>
-          <a:prstGeom prst="rect">
-            <a:avLst/>
-          </a:prstGeom>
-          <a:noFill/>
-        </p:spPr>
-        <p:txBody>
-          <a:bodyPr wrap="none" rtlCol="0">
-            <a:spAutoFit/>
-          </a:bodyPr>
-          <a:lstStyle/>
-          <a:p>
-            <a:pPr algn="ctr"/>
-            <a:r>
-              <a:rPr lang="en-US" sz="1100" i="1" dirty="0"/>
-              <a:t>Sr. Bioinformatics Cloud Engineer</a:t>
-            </a:r>
-          </a:p>
-          <a:p>
-            <a:pPr algn="ctr"/>
-            <a:r>
-              <a:rPr lang="en-US" sz="1100" i="1" dirty="0"/>
-              <a:t>Manager, Machine Learning</a:t>
-            </a:r>
-          </a:p>
-        </p:txBody>
-      </p:sp>
       <p:sp>
         <p:nvSpPr>
           <p:cNvPr id="34" name="TextBox 33">
@@ -15986,7 +15906,7 @@
         </p:nvSpPr>
         <p:spPr>
           <a:xfrm>
-            <a:off x="612186" y="2943017"/>
+            <a:off x="632715" y="1764740"/>
             <a:ext cx="2044149" cy="261610"/>
           </a:xfrm>
           <a:prstGeom prst="rect">
@@ -16022,8 +15942,8 @@
         </p:nvSpPr>
         <p:spPr>
           <a:xfrm>
-            <a:off x="3165868" y="2890834"/>
-            <a:ext cx="1917512" cy="430887"/>
+            <a:off x="1897635" y="2725849"/>
+            <a:ext cx="1968808" cy="430887"/>
           </a:xfrm>
           <a:prstGeom prst="rect">
             <a:avLst/>
@@ -16039,7 +15959,7 @@
             <a:pPr algn="ctr"/>
             <a:r>
               <a:rPr lang="en-US" sz="1100" i="1" dirty="0"/>
-              <a:t>Associate Faculty, SDS</a:t>
+              <a:t>Visiting Scholar, CIPHER</a:t>
             </a:r>
           </a:p>
           <a:p>
@@ -16064,7 +15984,7 @@
           <p:nvPr>
             <p:extLst>
               <p:ext uri="{D42A27DB-BD31-4B8C-83A1-F6EECF244321}">
-                <p14:modId xmlns:p14="http://schemas.microsoft.com/office/powerpoint/2010/main" val="1003016122"/>
+                <p14:modId xmlns:p14="http://schemas.microsoft.com/office/powerpoint/2010/main" val="2399789254"/>
               </p:ext>
             </p:extLst>
           </p:nvPr>
@@ -16075,7 +15995,7 @@
         </p:xfrm>
         <a:graphic>
           <a:graphicData uri="http://schemas.openxmlformats.org/drawingml/2006/diagram">
-            <dgm:relIds xmlns:dgm="http://schemas.openxmlformats.org/drawingml/2006/diagram" xmlns:r="http://schemas.openxmlformats.org/officeDocument/2006/relationships" r:dm="rId8" r:lo="rId9" r:qs="rId10" r:cs="rId11"/>
+            <dgm:relIds xmlns:dgm="http://schemas.openxmlformats.org/drawingml/2006/diagram" xmlns:r="http://schemas.openxmlformats.org/officeDocument/2006/relationships" r:dm="rId6" r:lo="rId7" r:qs="rId8" r:cs="rId9"/>
           </a:graphicData>
         </a:graphic>
       </p:graphicFrame>
@@ -16094,7 +16014,7 @@
           <p:nvPr/>
         </p:nvPicPr>
         <p:blipFill>
-          <a:blip r:embed="rId13">
+          <a:blip r:embed="rId11">
             <a:extLst>
               <a:ext uri="{28A0092B-C50C-407E-A947-70E740481C1C}">
                 <a14:useLocalDpi xmlns:a14="http://schemas.microsoft.com/office/drawing/2010/main" val="0"/>
@@ -16108,7 +16028,7 @@
         </p:blipFill>
         <p:spPr bwMode="auto">
           <a:xfrm>
-            <a:off x="4114800" y="3662782"/>
+            <a:off x="1491231" y="3719787"/>
             <a:ext cx="914400" cy="914400"/>
           </a:xfrm>
           <a:prstGeom prst="rect">
@@ -16140,7 +16060,7 @@
         </p:nvSpPr>
         <p:spPr>
           <a:xfrm>
-            <a:off x="583860" y="3666281"/>
+            <a:off x="2740779" y="3719787"/>
             <a:ext cx="914400" cy="914400"/>
           </a:xfrm>
           <a:prstGeom prst="rect">
@@ -16217,7 +16137,7 @@
         </p:nvSpPr>
         <p:spPr>
           <a:xfrm>
-            <a:off x="1760840" y="3666281"/>
+            <a:off x="3723139" y="3719787"/>
             <a:ext cx="914400" cy="914400"/>
           </a:xfrm>
           <a:prstGeom prst="rect">
@@ -16289,7 +16209,7 @@
         </p:nvSpPr>
         <p:spPr>
           <a:xfrm>
-            <a:off x="2937820" y="3666281"/>
+            <a:off x="4705499" y="3719787"/>
             <a:ext cx="914400" cy="914400"/>
           </a:xfrm>
           <a:prstGeom prst="rect">
@@ -16347,6 +16267,42 @@
           </a:p>
         </p:txBody>
       </p:sp>
+      <p:pic>
+        <p:nvPicPr>
+          <p:cNvPr id="7" name="Graphic 6">
+            <a:extLst>
+              <a:ext uri="{FF2B5EF4-FFF2-40B4-BE49-F238E27FC236}">
+                <a16:creationId xmlns:a16="http://schemas.microsoft.com/office/drawing/2014/main" id="{F14061FD-BB23-8EB0-093F-93C3C2581090}"/>
+              </a:ext>
+            </a:extLst>
+          </p:cNvPr>
+          <p:cNvPicPr>
+            <a:picLocks noChangeAspect="1"/>
+          </p:cNvPicPr>
+          <p:nvPr/>
+        </p:nvPicPr>
+        <p:blipFill>
+          <a:blip r:embed="rId12">
+            <a:extLst>
+              <a:ext uri="{96DAC541-7B7A-43D3-8B79-37D633B846F1}">
+                <asvg:svgBlip xmlns:asvg="http://schemas.microsoft.com/office/drawing/2016/SVG/main" r:embed="rId13"/>
+              </a:ext>
+            </a:extLst>
+          </a:blip>
+          <a:stretch>
+            <a:fillRect/>
+          </a:stretch>
+        </p:blipFill>
+        <p:spPr>
+          <a:xfrm>
+            <a:off x="489838" y="3719787"/>
+            <a:ext cx="914400" cy="914400"/>
+          </a:xfrm>
+          <a:prstGeom prst="rect">
+            <a:avLst/>
+          </a:prstGeom>
+        </p:spPr>
+      </p:pic>
     </p:spTree>
   </p:cSld>
   <p:clrMapOvr>
@@ -16407,43 +16363,6 @@
       </p:sp>
       <p:pic>
         <p:nvPicPr>
-          <p:cNvPr id="7" name="Picture 6" descr="A picture containing diagram&#10;&#10;Description automatically generated">
-            <a:extLst>
-              <a:ext uri="{FF2B5EF4-FFF2-40B4-BE49-F238E27FC236}">
-                <a16:creationId xmlns:a16="http://schemas.microsoft.com/office/drawing/2014/main" id="{A57B33E7-879B-AED7-3726-92EF653CAEFC}"/>
-              </a:ext>
-            </a:extLst>
-          </p:cNvPr>
-          <p:cNvPicPr>
-            <a:picLocks noChangeAspect="1"/>
-          </p:cNvPicPr>
-          <p:nvPr/>
-        </p:nvPicPr>
-        <p:blipFill rotWithShape="1">
-          <a:blip r:embed="rId2"/>
-          <a:srcRect t="1974" b="2863"/>
-          <a:stretch/>
-        </p:blipFill>
-        <p:spPr>
-          <a:xfrm>
-            <a:off x="281438" y="1235710"/>
-            <a:ext cx="1888834" cy="2448560"/>
-          </a:xfrm>
-          <a:prstGeom prst="rect">
-            <a:avLst/>
-          </a:prstGeom>
-          <a:ln>
-            <a:solidFill>
-              <a:schemeClr val="bg2">
-                <a:lumMod val="75000"/>
-                <a:lumOff val="25000"/>
-              </a:schemeClr>
-            </a:solidFill>
-          </a:ln>
-        </p:spPr>
-      </p:pic>
-      <p:pic>
-        <p:nvPicPr>
           <p:cNvPr id="9" name="Picture 8" descr="A bird on a branch&#10;&#10;Description automatically generated with medium confidence">
             <a:extLst>
               <a:ext uri="{FF2B5EF4-FFF2-40B4-BE49-F238E27FC236}">
@@ -16457,7 +16376,7 @@
           <p:nvPr/>
         </p:nvPicPr>
         <p:blipFill>
-          <a:blip r:embed="rId3"/>
+          <a:blip r:embed="rId2"/>
           <a:stretch>
             <a:fillRect/>
           </a:stretch>
@@ -16495,7 +16414,7 @@
           <p:nvPr/>
         </p:nvPicPr>
         <p:blipFill>
-          <a:blip r:embed="rId4"/>
+          <a:blip r:embed="rId3"/>
           <a:stretch>
             <a:fillRect/>
           </a:stretch>
@@ -16533,7 +16452,7 @@
           <p:nvPr/>
         </p:nvPicPr>
         <p:blipFill>
-          <a:blip r:embed="rId5"/>
+          <a:blip r:embed="rId4"/>
           <a:stretch>
             <a:fillRect/>
           </a:stretch>
@@ -16549,6 +16468,43 @@
           <a:ln w="19050">
             <a:solidFill>
               <a:srgbClr val="C66142"/>
+            </a:solidFill>
+          </a:ln>
+        </p:spPr>
+      </p:pic>
+      <p:pic>
+        <p:nvPicPr>
+          <p:cNvPr id="4" name="Picture 3" descr="A blue bird on a branch&#10;&#10;Description automatically generated">
+            <a:extLst>
+              <a:ext uri="{FF2B5EF4-FFF2-40B4-BE49-F238E27FC236}">
+                <a16:creationId xmlns:a16="http://schemas.microsoft.com/office/drawing/2014/main" id="{48B421CC-398E-87F0-54DE-1285CEEE4174}"/>
+              </a:ext>
+            </a:extLst>
+          </p:cNvPr>
+          <p:cNvPicPr>
+            <a:picLocks noChangeAspect="1"/>
+          </p:cNvPicPr>
+          <p:nvPr/>
+        </p:nvPicPr>
+        <p:blipFill rotWithShape="1">
+          <a:blip r:embed="rId5"/>
+          <a:srcRect t="1258" b="928"/>
+          <a:stretch/>
+        </p:blipFill>
+        <p:spPr>
+          <a:xfrm>
+            <a:off x="319500" y="1138237"/>
+            <a:ext cx="1868106" cy="2448559"/>
+          </a:xfrm>
+          <a:prstGeom prst="rect">
+            <a:avLst/>
+          </a:prstGeom>
+          <a:ln>
+            <a:solidFill>
+              <a:schemeClr val="bg2">
+                <a:lumMod val="65000"/>
+                <a:lumOff val="35000"/>
+              </a:schemeClr>
             </a:solidFill>
           </a:ln>
         </p:spPr>

--- a/presentations/UNCC_GittingStarted_10-18-21.pptx
+++ b/presentations/UNCC_GittingStarted_10-18-21.pptx
@@ -35,7 +35,7 @@
       <p:boldItalic r:id="rId18"/>
     </p:embeddedFont>
     <p:embeddedFont>
-      <p:font typeface="Raleway" panose="020B0503030101060003" pitchFamily="34" charset="0"/>
+      <p:font typeface="Raleway" pitchFamily="2" charset="0"/>
       <p:regular r:id="rId19"/>
       <p:bold r:id="rId20"/>
       <p:italic r:id="rId21"/>
@@ -2929,7 +2929,7 @@
         <a:p>
           <a:r>
             <a:rPr lang="en-US" dirty="0"/>
-            <a:t>Make an Action</a:t>
+            <a:t>Look at Actions</a:t>
           </a:r>
         </a:p>
       </dgm:t>
@@ -6135,7 +6135,7 @@
           </a:pPr>
           <a:r>
             <a:rPr lang="en-US" sz="1700" kern="1200" dirty="0"/>
-            <a:t>Make an Action</a:t>
+            <a:t>Look at Actions</a:t>
           </a:r>
         </a:p>
       </dsp:txBody>
@@ -15463,7 +15463,7 @@
             </a:pPr>
             <a:r>
               <a:rPr lang="en" dirty="0"/>
-              <a:t>October 2, 2023 | Colby T. Ford, Ph.D.</a:t>
+              <a:t>February 29, 2024 | Colby T. Ford, Ph.D.</a:t>
             </a:r>
             <a:endParaRPr dirty="0"/>
           </a:p>
@@ -15588,7 +15588,7 @@
           <p:nvPr>
             <p:extLst>
               <p:ext uri="{D42A27DB-BD31-4B8C-83A1-F6EECF244321}">
-                <p14:modId xmlns:p14="http://schemas.microsoft.com/office/powerpoint/2010/main" val="3876086313"/>
+                <p14:modId xmlns:p14="http://schemas.microsoft.com/office/powerpoint/2010/main" val="1967404997"/>
               </p:ext>
             </p:extLst>
           </p:nvPr>
